--- a/프론트엔드기초(PPT)/HTML5 1강_태그구조.pptx
+++ b/프론트엔드기초(PPT)/HTML5 1강_태그구조.pptx
@@ -295,7 +295,7 @@
           <a:p>
             <a:fld id="{FB30EDBD-1C2D-4C1E-B459-B60219FAB484}" type="datetimeFigureOut">
               <a:rPr lang="ko-KR" altLang="en-US" smtClean="0"/>
-              <a:t>2020-03-31</a:t>
+              <a:t>2020-09-08</a:t>
             </a:fld>
             <a:endParaRPr lang="ko-KR" altLang="en-US"/>
           </a:p>
@@ -460,7 +460,7 @@
           <a:p>
             <a:fld id="{FB30EDBD-1C2D-4C1E-B459-B60219FAB484}" type="datetimeFigureOut">
               <a:rPr lang="ko-KR" altLang="en-US" smtClean="0"/>
-              <a:t>2020-03-31</a:t>
+              <a:t>2020-09-08</a:t>
             </a:fld>
             <a:endParaRPr lang="ko-KR" altLang="en-US"/>
           </a:p>
@@ -635,7 +635,7 @@
           <a:p>
             <a:fld id="{FB30EDBD-1C2D-4C1E-B459-B60219FAB484}" type="datetimeFigureOut">
               <a:rPr lang="ko-KR" altLang="en-US" smtClean="0"/>
-              <a:t>2020-03-31</a:t>
+              <a:t>2020-09-08</a:t>
             </a:fld>
             <a:endParaRPr lang="ko-KR" altLang="en-US"/>
           </a:p>
@@ -800,7 +800,7 @@
           <a:p>
             <a:fld id="{FB30EDBD-1C2D-4C1E-B459-B60219FAB484}" type="datetimeFigureOut">
               <a:rPr lang="ko-KR" altLang="en-US" smtClean="0"/>
-              <a:t>2020-03-31</a:t>
+              <a:t>2020-09-08</a:t>
             </a:fld>
             <a:endParaRPr lang="ko-KR" altLang="en-US"/>
           </a:p>
@@ -1041,7 +1041,7 @@
           <a:p>
             <a:fld id="{FB30EDBD-1C2D-4C1E-B459-B60219FAB484}" type="datetimeFigureOut">
               <a:rPr lang="ko-KR" altLang="en-US" smtClean="0"/>
-              <a:t>2020-03-31</a:t>
+              <a:t>2020-09-08</a:t>
             </a:fld>
             <a:endParaRPr lang="ko-KR" altLang="en-US"/>
           </a:p>
@@ -1324,7 +1324,7 @@
           <a:p>
             <a:fld id="{FB30EDBD-1C2D-4C1E-B459-B60219FAB484}" type="datetimeFigureOut">
               <a:rPr lang="ko-KR" altLang="en-US" smtClean="0"/>
-              <a:t>2020-03-31</a:t>
+              <a:t>2020-09-08</a:t>
             </a:fld>
             <a:endParaRPr lang="ko-KR" altLang="en-US"/>
           </a:p>
@@ -1741,7 +1741,7 @@
           <a:p>
             <a:fld id="{FB30EDBD-1C2D-4C1E-B459-B60219FAB484}" type="datetimeFigureOut">
               <a:rPr lang="ko-KR" altLang="en-US" smtClean="0"/>
-              <a:t>2020-03-31</a:t>
+              <a:t>2020-09-08</a:t>
             </a:fld>
             <a:endParaRPr lang="ko-KR" altLang="en-US"/>
           </a:p>
@@ -1854,7 +1854,7 @@
           <a:p>
             <a:fld id="{FB30EDBD-1C2D-4C1E-B459-B60219FAB484}" type="datetimeFigureOut">
               <a:rPr lang="ko-KR" altLang="en-US" smtClean="0"/>
-              <a:t>2020-03-31</a:t>
+              <a:t>2020-09-08</a:t>
             </a:fld>
             <a:endParaRPr lang="ko-KR" altLang="en-US"/>
           </a:p>
@@ -1944,7 +1944,7 @@
           <a:p>
             <a:fld id="{FB30EDBD-1C2D-4C1E-B459-B60219FAB484}" type="datetimeFigureOut">
               <a:rPr lang="ko-KR" altLang="en-US" smtClean="0"/>
-              <a:t>2020-03-31</a:t>
+              <a:t>2020-09-08</a:t>
             </a:fld>
             <a:endParaRPr lang="ko-KR" altLang="en-US"/>
           </a:p>
@@ -2216,7 +2216,7 @@
           <a:p>
             <a:fld id="{FB30EDBD-1C2D-4C1E-B459-B60219FAB484}" type="datetimeFigureOut">
               <a:rPr lang="ko-KR" altLang="en-US" smtClean="0"/>
-              <a:t>2020-03-31</a:t>
+              <a:t>2020-09-08</a:t>
             </a:fld>
             <a:endParaRPr lang="ko-KR" altLang="en-US"/>
           </a:p>
@@ -2464,7 +2464,7 @@
           <a:p>
             <a:fld id="{FB30EDBD-1C2D-4C1E-B459-B60219FAB484}" type="datetimeFigureOut">
               <a:rPr lang="ko-KR" altLang="en-US" smtClean="0"/>
-              <a:t>2020-03-31</a:t>
+              <a:t>2020-09-08</a:t>
             </a:fld>
             <a:endParaRPr lang="ko-KR" altLang="en-US"/>
           </a:p>
@@ -2672,7 +2672,7 @@
           <a:p>
             <a:fld id="{FB30EDBD-1C2D-4C1E-B459-B60219FAB484}" type="datetimeFigureOut">
               <a:rPr lang="ko-KR" altLang="en-US" smtClean="0"/>
-              <a:t>2020-03-31</a:t>
+              <a:t>2020-09-08</a:t>
             </a:fld>
             <a:endParaRPr lang="ko-KR" altLang="en-US"/>
           </a:p>
@@ -3028,6 +3028,14 @@
 <file path=ppt/slides/slide1.xml><?xml version="1.0" encoding="utf-8"?>
 <p:sld xmlns:a="http://schemas.openxmlformats.org/drawingml/2006/main" xmlns:r="http://schemas.openxmlformats.org/officeDocument/2006/relationships" xmlns:p="http://schemas.openxmlformats.org/presentationml/2006/main">
   <p:cSld>
+    <p:bg>
+      <p:bgPr>
+        <a:solidFill>
+          <a:schemeClr val="accent5"/>
+        </a:solidFill>
+        <a:effectLst/>
+      </p:bgPr>
+    </p:bg>
     <p:spTree>
       <p:nvGrpSpPr>
         <p:cNvPr id="1" name=""/>
@@ -3062,7 +3070,7 @@
             <a:r>
               <a:rPr lang="en-US" altLang="ko-KR" sz="2800" dirty="0" smtClean="0">
                 <a:solidFill>
-                  <a:schemeClr val="accent5"/>
+                  <a:schemeClr val="bg1"/>
                 </a:solidFill>
                 <a:latin typeface="배달의민족 주아" pitchFamily="18" charset="-127"/>
                 <a:ea typeface="배달의민족 주아" pitchFamily="18" charset="-127"/>
@@ -3072,7 +3080,7 @@
             <a:r>
               <a:rPr lang="ko-KR" altLang="en-US" sz="2800" dirty="0" smtClean="0">
                 <a:solidFill>
-                  <a:schemeClr val="accent5"/>
+                  <a:schemeClr val="bg1"/>
                 </a:solidFill>
                 <a:latin typeface="배달의민족 주아" pitchFamily="18" charset="-127"/>
                 <a:ea typeface="배달의민족 주아" pitchFamily="18" charset="-127"/>
@@ -3082,7 +3090,7 @@
             <a:r>
               <a:rPr lang="en-US" altLang="ko-KR" sz="2800" dirty="0" smtClean="0">
                 <a:solidFill>
-                  <a:schemeClr val="accent5"/>
+                  <a:schemeClr val="bg1"/>
                 </a:solidFill>
                 <a:latin typeface="배달의민족 주아" pitchFamily="18" charset="-127"/>
                 <a:ea typeface="배달의민족 주아" pitchFamily="18" charset="-127"/>
@@ -3092,7 +3100,7 @@
             <a:br>
               <a:rPr lang="en-US" altLang="ko-KR" sz="2800" dirty="0" smtClean="0">
                 <a:solidFill>
-                  <a:schemeClr val="accent5"/>
+                  <a:schemeClr val="bg1"/>
                 </a:solidFill>
                 <a:latin typeface="배달의민족 주아" pitchFamily="18" charset="-127"/>
                 <a:ea typeface="배달의민족 주아" pitchFamily="18" charset="-127"/>
@@ -3112,27 +3120,29 @@
               </a:rPr>
             </a:br>
             <a:r>
+              <a:rPr lang="en-US" altLang="ko-KR" dirty="0" smtClean="0">
+                <a:solidFill>
+                  <a:schemeClr val="bg1"/>
+                </a:solidFill>
+                <a:latin typeface="배달의민족 주아" pitchFamily="18" charset="-127"/>
+                <a:ea typeface="배달의민족 주아" pitchFamily="18" charset="-127"/>
+              </a:rPr>
+              <a:t>HTML </a:t>
+            </a:r>
+            <a:r>
               <a:rPr lang="ko-KR" altLang="en-US" dirty="0" smtClean="0">
-                <a:latin typeface="배달의민족 주아" pitchFamily="18" charset="-127"/>
-                <a:ea typeface="배달의민족 주아" pitchFamily="18" charset="-127"/>
-              </a:rPr>
-              <a:t>태그구조와 </a:t>
-            </a:r>
-            <a:r>
-              <a:rPr lang="en-US" altLang="ko-KR" dirty="0" smtClean="0">
-                <a:latin typeface="배달의민족 주아" pitchFamily="18" charset="-127"/>
-                <a:ea typeface="배달의민족 주아" pitchFamily="18" charset="-127"/>
-              </a:rPr>
-              <a:t>HTML</a:t>
-            </a:r>
-            <a:r>
-              <a:rPr lang="ko-KR" altLang="en-US" dirty="0" smtClean="0">
-                <a:latin typeface="배달의민족 주아" pitchFamily="18" charset="-127"/>
-                <a:ea typeface="배달의민족 주아" pitchFamily="18" charset="-127"/>
-              </a:rPr>
-              <a:t>문서의 구조</a:t>
+                <a:solidFill>
+                  <a:schemeClr val="bg1"/>
+                </a:solidFill>
+                <a:latin typeface="배달의민족 주아" pitchFamily="18" charset="-127"/>
+                <a:ea typeface="배달의민족 주아" pitchFamily="18" charset="-127"/>
+              </a:rPr>
+              <a:t>태그와 문서구조</a:t>
             </a:r>
             <a:endParaRPr lang="ko-KR" altLang="en-US" dirty="0">
+              <a:solidFill>
+                <a:schemeClr val="bg1"/>
+              </a:solidFill>
               <a:latin typeface="배달의민족 주아" pitchFamily="18" charset="-127"/>
               <a:ea typeface="배달의민족 주아" pitchFamily="18" charset="-127"/>
             </a:endParaRPr>
@@ -3164,7 +3174,7 @@
             <a:r>
               <a:rPr lang="en-US" altLang="ko-KR" dirty="0" smtClean="0">
                 <a:solidFill>
-                  <a:schemeClr val="accent5"/>
+                  <a:schemeClr val="bg1"/>
                 </a:solidFill>
                 <a:latin typeface="배달의민족 도현" pitchFamily="50" charset="-127"/>
                 <a:ea typeface="배달의민족 도현" pitchFamily="50" charset="-127"/>
@@ -3181,7 +3191,7 @@
             <a:r>
               <a:rPr lang="en-US" altLang="ko-KR" dirty="0" smtClean="0">
                 <a:solidFill>
-                  <a:schemeClr val="accent5"/>
+                  <a:schemeClr val="bg1"/>
                 </a:solidFill>
                 <a:latin typeface="배달의민족 도현" pitchFamily="50" charset="-127"/>
                 <a:ea typeface="배달의민족 도현" pitchFamily="50" charset="-127"/>
@@ -3454,6 +3464,47 @@
           </a:p>
         </p:txBody>
       </p:sp>
+      <p:pic>
+        <p:nvPicPr>
+          <p:cNvPr id="1026" name="Picture 2" descr="C:\Users\kwonkijun\Downloads\hashtag.png"/>
+          <p:cNvPicPr>
+            <a:picLocks noChangeAspect="1" noChangeArrowheads="1"/>
+          </p:cNvPicPr>
+          <p:nvPr/>
+        </p:nvPicPr>
+        <p:blipFill>
+          <a:blip r:embed="rId2" cstate="print">
+            <a:extLst>
+              <a:ext uri="{28A0092B-C50C-407E-A947-70E740481C1C}">
+                <a14:useLocalDpi xmlns:a14="http://schemas.microsoft.com/office/drawing/2010/main" val="0"/>
+              </a:ext>
+            </a:extLst>
+          </a:blip>
+          <a:srcRect/>
+          <a:stretch>
+            <a:fillRect/>
+          </a:stretch>
+        </p:blipFill>
+        <p:spPr bwMode="auto">
+          <a:xfrm>
+            <a:off x="3671900" y="4759403"/>
+            <a:ext cx="1836204" cy="1836204"/>
+          </a:xfrm>
+          <a:prstGeom prst="rect">
+            <a:avLst/>
+          </a:prstGeom>
+          <a:noFill/>
+          <a:extLst>
+            <a:ext uri="{909E8E84-426E-40DD-AFC4-6F175D3DCCD1}">
+              <a14:hiddenFill xmlns:a14="http://schemas.microsoft.com/office/drawing/2010/main">
+                <a:solidFill>
+                  <a:srgbClr val="FFFFFF"/>
+                </a:solidFill>
+              </a14:hiddenFill>
+            </a:ext>
+          </a:extLst>
+        </p:spPr>
+      </p:pic>
     </p:spTree>
     <p:extLst>
       <p:ext uri="{BB962C8B-B14F-4D97-AF65-F5344CB8AC3E}">
@@ -3566,6 +3617,59 @@
                                         <p:cTn id="12" dur="500"/>
                                         <p:tgtEl>
                                           <p:spTgt spid="5"/>
+                                        </p:tgtEl>
+                                      </p:cBhvr>
+                                    </p:animEffect>
+                                  </p:childTnLst>
+                                </p:cTn>
+                              </p:par>
+                            </p:childTnLst>
+                          </p:cTn>
+                        </p:par>
+                      </p:childTnLst>
+                    </p:cTn>
+                  </p:par>
+                  <p:par>
+                    <p:cTn id="13" fill="hold">
+                      <p:stCondLst>
+                        <p:cond delay="indefinite"/>
+                      </p:stCondLst>
+                      <p:childTnLst>
+                        <p:par>
+                          <p:cTn id="14" fill="hold">
+                            <p:stCondLst>
+                              <p:cond delay="0"/>
+                            </p:stCondLst>
+                            <p:childTnLst>
+                              <p:par>
+                                <p:cTn id="15" presetID="10" presetClass="entr" presetSubtype="0" fill="hold" nodeType="clickEffect">
+                                  <p:stCondLst>
+                                    <p:cond delay="0"/>
+                                  </p:stCondLst>
+                                  <p:childTnLst>
+                                    <p:set>
+                                      <p:cBhvr>
+                                        <p:cTn id="16" dur="1" fill="hold">
+                                          <p:stCondLst>
+                                            <p:cond delay="0"/>
+                                          </p:stCondLst>
+                                        </p:cTn>
+                                        <p:tgtEl>
+                                          <p:spTgt spid="1026"/>
+                                        </p:tgtEl>
+                                        <p:attrNameLst>
+                                          <p:attrName>style.visibility</p:attrName>
+                                        </p:attrNameLst>
+                                      </p:cBhvr>
+                                      <p:to>
+                                        <p:strVal val="visible"/>
+                                      </p:to>
+                                    </p:set>
+                                    <p:animEffect transition="in" filter="fade">
+                                      <p:cBhvr>
+                                        <p:cTn id="17" dur="500"/>
+                                        <p:tgtEl>
+                                          <p:spTgt spid="1026"/>
                                         </p:tgtEl>
                                       </p:cBhvr>
                                     </p:animEffect>

--- a/프론트엔드기초(PPT)/HTML5 1강_태그구조.pptx
+++ b/프론트엔드기초(PPT)/HTML5 1강_태그구조.pptx
@@ -111,6 +111,22 @@
       </a:defRPr>
     </a:lvl9pPr>
   </p:defaultTextStyle>
+  <p:extLst>
+    <p:ext uri="{EFAFB233-063F-42B5-8137-9DF3F51BA10A}">
+      <p15:sldGuideLst xmlns:p15="http://schemas.microsoft.com/office/powerpoint/2012/main">
+        <p15:guide id="1" orient="horz" pos="2160">
+          <p15:clr>
+            <a:srgbClr val="A4A3A4"/>
+          </p15:clr>
+        </p15:guide>
+        <p15:guide id="2" pos="2880">
+          <p15:clr>
+            <a:srgbClr val="A4A3A4"/>
+          </p15:clr>
+        </p15:guide>
+      </p15:sldGuideLst>
+    </p:ext>
+  </p:extLst>
 </p:presentation>
 </file>
 
@@ -152,10 +168,9 @@
           <a:lstStyle/>
           <a:p>
             <a:r>
-              <a:rPr lang="ko-KR" altLang="en-US" smtClean="0"/>
+              <a:rPr lang="ko-KR" altLang="en-US"/>
               <a:t>마스터 제목 스타일 편집</a:t>
             </a:r>
-            <a:endParaRPr lang="ko-KR" altLang="en-US"/>
           </a:p>
         </p:txBody>
       </p:sp>
@@ -271,10 +286,9 @@
           </a:lstStyle>
           <a:p>
             <a:r>
-              <a:rPr lang="ko-KR" altLang="en-US" smtClean="0"/>
+              <a:rPr lang="ko-KR" altLang="en-US"/>
               <a:t>마스터 부제목 스타일 편집</a:t>
             </a:r>
-            <a:endParaRPr lang="ko-KR" altLang="en-US"/>
           </a:p>
         </p:txBody>
       </p:sp>
@@ -295,7 +309,7 @@
           <a:p>
             <a:fld id="{FB30EDBD-1C2D-4C1E-B459-B60219FAB484}" type="datetimeFigureOut">
               <a:rPr lang="ko-KR" altLang="en-US" smtClean="0"/>
-              <a:t>2020-09-08</a:t>
+              <a:t>2020-11-09</a:t>
             </a:fld>
             <a:endParaRPr lang="ko-KR" altLang="en-US"/>
           </a:p>
@@ -384,10 +398,9 @@
           <a:lstStyle/>
           <a:p>
             <a:r>
-              <a:rPr lang="ko-KR" altLang="en-US" smtClean="0"/>
+              <a:rPr lang="ko-KR" altLang="en-US"/>
               <a:t>마스터 제목 스타일 편집</a:t>
             </a:r>
-            <a:endParaRPr lang="ko-KR" altLang="en-US"/>
           </a:p>
         </p:txBody>
       </p:sp>
@@ -408,38 +421,37 @@
           <a:p>
             <a:pPr lvl="0"/>
             <a:r>
-              <a:rPr lang="ko-KR" altLang="en-US" smtClean="0"/>
+              <a:rPr lang="ko-KR" altLang="en-US"/>
               <a:t>마스터 텍스트 스타일을 편집합니다</a:t>
             </a:r>
           </a:p>
           <a:p>
             <a:pPr lvl="1"/>
             <a:r>
-              <a:rPr lang="ko-KR" altLang="en-US" smtClean="0"/>
+              <a:rPr lang="ko-KR" altLang="en-US"/>
               <a:t>둘째 수준</a:t>
             </a:r>
           </a:p>
           <a:p>
             <a:pPr lvl="2"/>
             <a:r>
-              <a:rPr lang="ko-KR" altLang="en-US" smtClean="0"/>
+              <a:rPr lang="ko-KR" altLang="en-US"/>
               <a:t>셋째 수준</a:t>
             </a:r>
           </a:p>
           <a:p>
             <a:pPr lvl="3"/>
             <a:r>
-              <a:rPr lang="ko-KR" altLang="en-US" smtClean="0"/>
+              <a:rPr lang="ko-KR" altLang="en-US"/>
               <a:t>넷째 수준</a:t>
             </a:r>
           </a:p>
           <a:p>
             <a:pPr lvl="4"/>
             <a:r>
-              <a:rPr lang="ko-KR" altLang="en-US" smtClean="0"/>
+              <a:rPr lang="ko-KR" altLang="en-US"/>
               <a:t>다섯째 수준</a:t>
             </a:r>
-            <a:endParaRPr lang="ko-KR" altLang="en-US"/>
           </a:p>
         </p:txBody>
       </p:sp>
@@ -460,7 +472,7 @@
           <a:p>
             <a:fld id="{FB30EDBD-1C2D-4C1E-B459-B60219FAB484}" type="datetimeFigureOut">
               <a:rPr lang="ko-KR" altLang="en-US" smtClean="0"/>
-              <a:t>2020-09-08</a:t>
+              <a:t>2020-11-09</a:t>
             </a:fld>
             <a:endParaRPr lang="ko-KR" altLang="en-US"/>
           </a:p>
@@ -554,10 +566,9 @@
           <a:lstStyle/>
           <a:p>
             <a:r>
-              <a:rPr lang="ko-KR" altLang="en-US" smtClean="0"/>
+              <a:rPr lang="ko-KR" altLang="en-US"/>
               <a:t>마스터 제목 스타일 편집</a:t>
             </a:r>
-            <a:endParaRPr lang="ko-KR" altLang="en-US"/>
           </a:p>
         </p:txBody>
       </p:sp>
@@ -583,38 +594,37 @@
           <a:p>
             <a:pPr lvl="0"/>
             <a:r>
-              <a:rPr lang="ko-KR" altLang="en-US" smtClean="0"/>
+              <a:rPr lang="ko-KR" altLang="en-US"/>
               <a:t>마스터 텍스트 스타일을 편집합니다</a:t>
             </a:r>
           </a:p>
           <a:p>
             <a:pPr lvl="1"/>
             <a:r>
-              <a:rPr lang="ko-KR" altLang="en-US" smtClean="0"/>
+              <a:rPr lang="ko-KR" altLang="en-US"/>
               <a:t>둘째 수준</a:t>
             </a:r>
           </a:p>
           <a:p>
             <a:pPr lvl="2"/>
             <a:r>
-              <a:rPr lang="ko-KR" altLang="en-US" smtClean="0"/>
+              <a:rPr lang="ko-KR" altLang="en-US"/>
               <a:t>셋째 수준</a:t>
             </a:r>
           </a:p>
           <a:p>
             <a:pPr lvl="3"/>
             <a:r>
-              <a:rPr lang="ko-KR" altLang="en-US" smtClean="0"/>
+              <a:rPr lang="ko-KR" altLang="en-US"/>
               <a:t>넷째 수준</a:t>
             </a:r>
           </a:p>
           <a:p>
             <a:pPr lvl="4"/>
             <a:r>
-              <a:rPr lang="ko-KR" altLang="en-US" smtClean="0"/>
+              <a:rPr lang="ko-KR" altLang="en-US"/>
               <a:t>다섯째 수준</a:t>
             </a:r>
-            <a:endParaRPr lang="ko-KR" altLang="en-US"/>
           </a:p>
         </p:txBody>
       </p:sp>
@@ -635,7 +645,7 @@
           <a:p>
             <a:fld id="{FB30EDBD-1C2D-4C1E-B459-B60219FAB484}" type="datetimeFigureOut">
               <a:rPr lang="ko-KR" altLang="en-US" smtClean="0"/>
-              <a:t>2020-09-08</a:t>
+              <a:t>2020-11-09</a:t>
             </a:fld>
             <a:endParaRPr lang="ko-KR" altLang="en-US"/>
           </a:p>
@@ -724,10 +734,9 @@
           <a:lstStyle/>
           <a:p>
             <a:r>
-              <a:rPr lang="ko-KR" altLang="en-US" smtClean="0"/>
+              <a:rPr lang="ko-KR" altLang="en-US"/>
               <a:t>마스터 제목 스타일 편집</a:t>
             </a:r>
-            <a:endParaRPr lang="ko-KR" altLang="en-US"/>
           </a:p>
         </p:txBody>
       </p:sp>
@@ -748,38 +757,37 @@
           <a:p>
             <a:pPr lvl="0"/>
             <a:r>
-              <a:rPr lang="ko-KR" altLang="en-US" smtClean="0"/>
+              <a:rPr lang="ko-KR" altLang="en-US"/>
               <a:t>마스터 텍스트 스타일을 편집합니다</a:t>
             </a:r>
           </a:p>
           <a:p>
             <a:pPr lvl="1"/>
             <a:r>
-              <a:rPr lang="ko-KR" altLang="en-US" smtClean="0"/>
+              <a:rPr lang="ko-KR" altLang="en-US"/>
               <a:t>둘째 수준</a:t>
             </a:r>
           </a:p>
           <a:p>
             <a:pPr lvl="2"/>
             <a:r>
-              <a:rPr lang="ko-KR" altLang="en-US" smtClean="0"/>
+              <a:rPr lang="ko-KR" altLang="en-US"/>
               <a:t>셋째 수준</a:t>
             </a:r>
           </a:p>
           <a:p>
             <a:pPr lvl="3"/>
             <a:r>
-              <a:rPr lang="ko-KR" altLang="en-US" smtClean="0"/>
+              <a:rPr lang="ko-KR" altLang="en-US"/>
               <a:t>넷째 수준</a:t>
             </a:r>
           </a:p>
           <a:p>
             <a:pPr lvl="4"/>
             <a:r>
-              <a:rPr lang="ko-KR" altLang="en-US" smtClean="0"/>
+              <a:rPr lang="ko-KR" altLang="en-US"/>
               <a:t>다섯째 수준</a:t>
             </a:r>
-            <a:endParaRPr lang="ko-KR" altLang="en-US"/>
           </a:p>
         </p:txBody>
       </p:sp>
@@ -800,7 +808,7 @@
           <a:p>
             <a:fld id="{FB30EDBD-1C2D-4C1E-B459-B60219FAB484}" type="datetimeFigureOut">
               <a:rPr lang="ko-KR" altLang="en-US" smtClean="0"/>
-              <a:t>2020-09-08</a:t>
+              <a:t>2020-11-09</a:t>
             </a:fld>
             <a:endParaRPr lang="ko-KR" altLang="en-US"/>
           </a:p>
@@ -898,10 +906,9 @@
           </a:lstStyle>
           <a:p>
             <a:r>
-              <a:rPr lang="ko-KR" altLang="en-US" smtClean="0"/>
+              <a:rPr lang="ko-KR" altLang="en-US"/>
               <a:t>마스터 제목 스타일 편집</a:t>
             </a:r>
-            <a:endParaRPr lang="ko-KR" altLang="en-US"/>
           </a:p>
         </p:txBody>
       </p:sp>
@@ -1018,7 +1025,7 @@
           <a:p>
             <a:pPr lvl="0"/>
             <a:r>
-              <a:rPr lang="ko-KR" altLang="en-US" smtClean="0"/>
+              <a:rPr lang="ko-KR" altLang="en-US"/>
               <a:t>마스터 텍스트 스타일을 편집합니다</a:t>
             </a:r>
           </a:p>
@@ -1041,7 +1048,7 @@
           <a:p>
             <a:fld id="{FB30EDBD-1C2D-4C1E-B459-B60219FAB484}" type="datetimeFigureOut">
               <a:rPr lang="ko-KR" altLang="en-US" smtClean="0"/>
-              <a:t>2020-09-08</a:t>
+              <a:t>2020-11-09</a:t>
             </a:fld>
             <a:endParaRPr lang="ko-KR" altLang="en-US"/>
           </a:p>
@@ -1130,10 +1137,9 @@
           <a:lstStyle/>
           <a:p>
             <a:r>
-              <a:rPr lang="ko-KR" altLang="en-US" smtClean="0"/>
+              <a:rPr lang="ko-KR" altLang="en-US"/>
               <a:t>마스터 제목 스타일 편집</a:t>
             </a:r>
-            <a:endParaRPr lang="ko-KR" altLang="en-US"/>
           </a:p>
         </p:txBody>
       </p:sp>
@@ -1187,38 +1193,37 @@
           <a:p>
             <a:pPr lvl="0"/>
             <a:r>
-              <a:rPr lang="ko-KR" altLang="en-US" smtClean="0"/>
+              <a:rPr lang="ko-KR" altLang="en-US"/>
               <a:t>마스터 텍스트 스타일을 편집합니다</a:t>
             </a:r>
           </a:p>
           <a:p>
             <a:pPr lvl="1"/>
             <a:r>
-              <a:rPr lang="ko-KR" altLang="en-US" smtClean="0"/>
+              <a:rPr lang="ko-KR" altLang="en-US"/>
               <a:t>둘째 수준</a:t>
             </a:r>
           </a:p>
           <a:p>
             <a:pPr lvl="2"/>
             <a:r>
-              <a:rPr lang="ko-KR" altLang="en-US" smtClean="0"/>
+              <a:rPr lang="ko-KR" altLang="en-US"/>
               <a:t>셋째 수준</a:t>
             </a:r>
           </a:p>
           <a:p>
             <a:pPr lvl="3"/>
             <a:r>
-              <a:rPr lang="ko-KR" altLang="en-US" smtClean="0"/>
+              <a:rPr lang="ko-KR" altLang="en-US"/>
               <a:t>넷째 수준</a:t>
             </a:r>
           </a:p>
           <a:p>
             <a:pPr lvl="4"/>
             <a:r>
-              <a:rPr lang="ko-KR" altLang="en-US" smtClean="0"/>
+              <a:rPr lang="ko-KR" altLang="en-US"/>
               <a:t>다섯째 수준</a:t>
             </a:r>
-            <a:endParaRPr lang="ko-KR" altLang="en-US"/>
           </a:p>
         </p:txBody>
       </p:sp>
@@ -1272,38 +1277,37 @@
           <a:p>
             <a:pPr lvl="0"/>
             <a:r>
-              <a:rPr lang="ko-KR" altLang="en-US" smtClean="0"/>
+              <a:rPr lang="ko-KR" altLang="en-US"/>
               <a:t>마스터 텍스트 스타일을 편집합니다</a:t>
             </a:r>
           </a:p>
           <a:p>
             <a:pPr lvl="1"/>
             <a:r>
-              <a:rPr lang="ko-KR" altLang="en-US" smtClean="0"/>
+              <a:rPr lang="ko-KR" altLang="en-US"/>
               <a:t>둘째 수준</a:t>
             </a:r>
           </a:p>
           <a:p>
             <a:pPr lvl="2"/>
             <a:r>
-              <a:rPr lang="ko-KR" altLang="en-US" smtClean="0"/>
+              <a:rPr lang="ko-KR" altLang="en-US"/>
               <a:t>셋째 수준</a:t>
             </a:r>
           </a:p>
           <a:p>
             <a:pPr lvl="3"/>
             <a:r>
-              <a:rPr lang="ko-KR" altLang="en-US" smtClean="0"/>
+              <a:rPr lang="ko-KR" altLang="en-US"/>
               <a:t>넷째 수준</a:t>
             </a:r>
           </a:p>
           <a:p>
             <a:pPr lvl="4"/>
             <a:r>
-              <a:rPr lang="ko-KR" altLang="en-US" smtClean="0"/>
+              <a:rPr lang="ko-KR" altLang="en-US"/>
               <a:t>다섯째 수준</a:t>
             </a:r>
-            <a:endParaRPr lang="ko-KR" altLang="en-US"/>
           </a:p>
         </p:txBody>
       </p:sp>
@@ -1324,7 +1328,7 @@
           <a:p>
             <a:fld id="{FB30EDBD-1C2D-4C1E-B459-B60219FAB484}" type="datetimeFigureOut">
               <a:rPr lang="ko-KR" altLang="en-US" smtClean="0"/>
-              <a:t>2020-09-08</a:t>
+              <a:t>2020-11-09</a:t>
             </a:fld>
             <a:endParaRPr lang="ko-KR" altLang="en-US"/>
           </a:p>
@@ -1417,10 +1421,9 @@
           </a:lstStyle>
           <a:p>
             <a:r>
-              <a:rPr lang="ko-KR" altLang="en-US" smtClean="0"/>
+              <a:rPr lang="ko-KR" altLang="en-US"/>
               <a:t>마스터 제목 스타일 편집</a:t>
             </a:r>
-            <a:endParaRPr lang="ko-KR" altLang="en-US"/>
           </a:p>
         </p:txBody>
       </p:sp>
@@ -1483,7 +1486,7 @@
           <a:p>
             <a:pPr lvl="0"/>
             <a:r>
-              <a:rPr lang="ko-KR" altLang="en-US" smtClean="0"/>
+              <a:rPr lang="ko-KR" altLang="en-US"/>
               <a:t>마스터 텍스트 스타일을 편집합니다</a:t>
             </a:r>
           </a:p>
@@ -1539,38 +1542,37 @@
           <a:p>
             <a:pPr lvl="0"/>
             <a:r>
-              <a:rPr lang="ko-KR" altLang="en-US" smtClean="0"/>
+              <a:rPr lang="ko-KR" altLang="en-US"/>
               <a:t>마스터 텍스트 스타일을 편집합니다</a:t>
             </a:r>
           </a:p>
           <a:p>
             <a:pPr lvl="1"/>
             <a:r>
-              <a:rPr lang="ko-KR" altLang="en-US" smtClean="0"/>
+              <a:rPr lang="ko-KR" altLang="en-US"/>
               <a:t>둘째 수준</a:t>
             </a:r>
           </a:p>
           <a:p>
             <a:pPr lvl="2"/>
             <a:r>
-              <a:rPr lang="ko-KR" altLang="en-US" smtClean="0"/>
+              <a:rPr lang="ko-KR" altLang="en-US"/>
               <a:t>셋째 수준</a:t>
             </a:r>
           </a:p>
           <a:p>
             <a:pPr lvl="3"/>
             <a:r>
-              <a:rPr lang="ko-KR" altLang="en-US" smtClean="0"/>
+              <a:rPr lang="ko-KR" altLang="en-US"/>
               <a:t>넷째 수준</a:t>
             </a:r>
           </a:p>
           <a:p>
             <a:pPr lvl="4"/>
             <a:r>
-              <a:rPr lang="ko-KR" altLang="en-US" smtClean="0"/>
+              <a:rPr lang="ko-KR" altLang="en-US"/>
               <a:t>다섯째 수준</a:t>
             </a:r>
-            <a:endParaRPr lang="ko-KR" altLang="en-US"/>
           </a:p>
         </p:txBody>
       </p:sp>
@@ -1633,7 +1635,7 @@
           <a:p>
             <a:pPr lvl="0"/>
             <a:r>
-              <a:rPr lang="ko-KR" altLang="en-US" smtClean="0"/>
+              <a:rPr lang="ko-KR" altLang="en-US"/>
               <a:t>마스터 텍스트 스타일을 편집합니다</a:t>
             </a:r>
           </a:p>
@@ -1689,38 +1691,37 @@
           <a:p>
             <a:pPr lvl="0"/>
             <a:r>
-              <a:rPr lang="ko-KR" altLang="en-US" smtClean="0"/>
+              <a:rPr lang="ko-KR" altLang="en-US"/>
               <a:t>마스터 텍스트 스타일을 편집합니다</a:t>
             </a:r>
           </a:p>
           <a:p>
             <a:pPr lvl="1"/>
             <a:r>
-              <a:rPr lang="ko-KR" altLang="en-US" smtClean="0"/>
+              <a:rPr lang="ko-KR" altLang="en-US"/>
               <a:t>둘째 수준</a:t>
             </a:r>
           </a:p>
           <a:p>
             <a:pPr lvl="2"/>
             <a:r>
-              <a:rPr lang="ko-KR" altLang="en-US" smtClean="0"/>
+              <a:rPr lang="ko-KR" altLang="en-US"/>
               <a:t>셋째 수준</a:t>
             </a:r>
           </a:p>
           <a:p>
             <a:pPr lvl="3"/>
             <a:r>
-              <a:rPr lang="ko-KR" altLang="en-US" smtClean="0"/>
+              <a:rPr lang="ko-KR" altLang="en-US"/>
               <a:t>넷째 수준</a:t>
             </a:r>
           </a:p>
           <a:p>
             <a:pPr lvl="4"/>
             <a:r>
-              <a:rPr lang="ko-KR" altLang="en-US" smtClean="0"/>
+              <a:rPr lang="ko-KR" altLang="en-US"/>
               <a:t>다섯째 수준</a:t>
             </a:r>
-            <a:endParaRPr lang="ko-KR" altLang="en-US"/>
           </a:p>
         </p:txBody>
       </p:sp>
@@ -1741,7 +1742,7 @@
           <a:p>
             <a:fld id="{FB30EDBD-1C2D-4C1E-B459-B60219FAB484}" type="datetimeFigureOut">
               <a:rPr lang="ko-KR" altLang="en-US" smtClean="0"/>
-              <a:t>2020-09-08</a:t>
+              <a:t>2020-11-09</a:t>
             </a:fld>
             <a:endParaRPr lang="ko-KR" altLang="en-US"/>
           </a:p>
@@ -1830,10 +1831,9 @@
           <a:lstStyle/>
           <a:p>
             <a:r>
-              <a:rPr lang="ko-KR" altLang="en-US" smtClean="0"/>
+              <a:rPr lang="ko-KR" altLang="en-US"/>
               <a:t>마스터 제목 스타일 편집</a:t>
             </a:r>
-            <a:endParaRPr lang="ko-KR" altLang="en-US"/>
           </a:p>
         </p:txBody>
       </p:sp>
@@ -1854,7 +1854,7 @@
           <a:p>
             <a:fld id="{FB30EDBD-1C2D-4C1E-B459-B60219FAB484}" type="datetimeFigureOut">
               <a:rPr lang="ko-KR" altLang="en-US" smtClean="0"/>
-              <a:t>2020-09-08</a:t>
+              <a:t>2020-11-09</a:t>
             </a:fld>
             <a:endParaRPr lang="ko-KR" altLang="en-US"/>
           </a:p>
@@ -1944,7 +1944,7 @@
           <a:p>
             <a:fld id="{FB30EDBD-1C2D-4C1E-B459-B60219FAB484}" type="datetimeFigureOut">
               <a:rPr lang="ko-KR" altLang="en-US" smtClean="0"/>
-              <a:t>2020-09-08</a:t>
+              <a:t>2020-11-09</a:t>
             </a:fld>
             <a:endParaRPr lang="ko-KR" altLang="en-US"/>
           </a:p>
@@ -2042,10 +2042,9 @@
           </a:lstStyle>
           <a:p>
             <a:r>
-              <a:rPr lang="ko-KR" altLang="en-US" smtClean="0"/>
+              <a:rPr lang="ko-KR" altLang="en-US"/>
               <a:t>마스터 제목 스타일 편집</a:t>
             </a:r>
-            <a:endParaRPr lang="ko-KR" altLang="en-US"/>
           </a:p>
         </p:txBody>
       </p:sp>
@@ -2099,38 +2098,37 @@
           <a:p>
             <a:pPr lvl="0"/>
             <a:r>
-              <a:rPr lang="ko-KR" altLang="en-US" smtClean="0"/>
+              <a:rPr lang="ko-KR" altLang="en-US"/>
               <a:t>마스터 텍스트 스타일을 편집합니다</a:t>
             </a:r>
           </a:p>
           <a:p>
             <a:pPr lvl="1"/>
             <a:r>
-              <a:rPr lang="ko-KR" altLang="en-US" smtClean="0"/>
+              <a:rPr lang="ko-KR" altLang="en-US"/>
               <a:t>둘째 수준</a:t>
             </a:r>
           </a:p>
           <a:p>
             <a:pPr lvl="2"/>
             <a:r>
-              <a:rPr lang="ko-KR" altLang="en-US" smtClean="0"/>
+              <a:rPr lang="ko-KR" altLang="en-US"/>
               <a:t>셋째 수준</a:t>
             </a:r>
           </a:p>
           <a:p>
             <a:pPr lvl="3"/>
             <a:r>
-              <a:rPr lang="ko-KR" altLang="en-US" smtClean="0"/>
+              <a:rPr lang="ko-KR" altLang="en-US"/>
               <a:t>넷째 수준</a:t>
             </a:r>
           </a:p>
           <a:p>
             <a:pPr lvl="4"/>
             <a:r>
-              <a:rPr lang="ko-KR" altLang="en-US" smtClean="0"/>
+              <a:rPr lang="ko-KR" altLang="en-US"/>
               <a:t>다섯째 수준</a:t>
             </a:r>
-            <a:endParaRPr lang="ko-KR" altLang="en-US"/>
           </a:p>
         </p:txBody>
       </p:sp>
@@ -2193,7 +2191,7 @@
           <a:p>
             <a:pPr lvl="0"/>
             <a:r>
-              <a:rPr lang="ko-KR" altLang="en-US" smtClean="0"/>
+              <a:rPr lang="ko-KR" altLang="en-US"/>
               <a:t>마스터 텍스트 스타일을 편집합니다</a:t>
             </a:r>
           </a:p>
@@ -2216,7 +2214,7 @@
           <a:p>
             <a:fld id="{FB30EDBD-1C2D-4C1E-B459-B60219FAB484}" type="datetimeFigureOut">
               <a:rPr lang="ko-KR" altLang="en-US" smtClean="0"/>
-              <a:t>2020-09-08</a:t>
+              <a:t>2020-11-09</a:t>
             </a:fld>
             <a:endParaRPr lang="ko-KR" altLang="en-US"/>
           </a:p>
@@ -2314,10 +2312,9 @@
           </a:lstStyle>
           <a:p>
             <a:r>
-              <a:rPr lang="ko-KR" altLang="en-US" smtClean="0"/>
+              <a:rPr lang="ko-KR" altLang="en-US"/>
               <a:t>마스터 제목 스타일 편집</a:t>
             </a:r>
-            <a:endParaRPr lang="ko-KR" altLang="en-US"/>
           </a:p>
         </p:txBody>
       </p:sp>
@@ -2441,7 +2438,7 @@
           <a:p>
             <a:pPr lvl="0"/>
             <a:r>
-              <a:rPr lang="ko-KR" altLang="en-US" smtClean="0"/>
+              <a:rPr lang="ko-KR" altLang="en-US"/>
               <a:t>마스터 텍스트 스타일을 편집합니다</a:t>
             </a:r>
           </a:p>
@@ -2464,7 +2461,7 @@
           <a:p>
             <a:fld id="{FB30EDBD-1C2D-4C1E-B459-B60219FAB484}" type="datetimeFigureOut">
               <a:rPr lang="ko-KR" altLang="en-US" smtClean="0"/>
-              <a:t>2020-09-08</a:t>
+              <a:t>2020-11-09</a:t>
             </a:fld>
             <a:endParaRPr lang="ko-KR" altLang="en-US"/>
           </a:p>
@@ -2568,10 +2565,9 @@
           <a:lstStyle/>
           <a:p>
             <a:r>
-              <a:rPr lang="ko-KR" altLang="en-US" smtClean="0"/>
+              <a:rPr lang="ko-KR" altLang="en-US"/>
               <a:t>마스터 제목 스타일 편집</a:t>
             </a:r>
-            <a:endParaRPr lang="ko-KR" altLang="en-US"/>
           </a:p>
         </p:txBody>
       </p:sp>
@@ -2602,38 +2598,37 @@
           <a:p>
             <a:pPr lvl="0"/>
             <a:r>
-              <a:rPr lang="ko-KR" altLang="en-US" smtClean="0"/>
+              <a:rPr lang="ko-KR" altLang="en-US"/>
               <a:t>마스터 텍스트 스타일을 편집합니다</a:t>
             </a:r>
           </a:p>
           <a:p>
             <a:pPr lvl="1"/>
             <a:r>
-              <a:rPr lang="ko-KR" altLang="en-US" smtClean="0"/>
+              <a:rPr lang="ko-KR" altLang="en-US"/>
               <a:t>둘째 수준</a:t>
             </a:r>
           </a:p>
           <a:p>
             <a:pPr lvl="2"/>
             <a:r>
-              <a:rPr lang="ko-KR" altLang="en-US" smtClean="0"/>
+              <a:rPr lang="ko-KR" altLang="en-US"/>
               <a:t>셋째 수준</a:t>
             </a:r>
           </a:p>
           <a:p>
             <a:pPr lvl="3"/>
             <a:r>
-              <a:rPr lang="ko-KR" altLang="en-US" smtClean="0"/>
+              <a:rPr lang="ko-KR" altLang="en-US"/>
               <a:t>넷째 수준</a:t>
             </a:r>
           </a:p>
           <a:p>
             <a:pPr lvl="4"/>
             <a:r>
-              <a:rPr lang="ko-KR" altLang="en-US" smtClean="0"/>
+              <a:rPr lang="ko-KR" altLang="en-US"/>
               <a:t>다섯째 수준</a:t>
             </a:r>
-            <a:endParaRPr lang="ko-KR" altLang="en-US"/>
           </a:p>
         </p:txBody>
       </p:sp>
@@ -2672,7 +2667,7 @@
           <a:p>
             <a:fld id="{FB30EDBD-1C2D-4C1E-B459-B60219FAB484}" type="datetimeFigureOut">
               <a:rPr lang="ko-KR" altLang="en-US" smtClean="0"/>
-              <a:t>2020-09-08</a:t>
+              <a:t>2020-11-09</a:t>
             </a:fld>
             <a:endParaRPr lang="ko-KR" altLang="en-US"/>
           </a:p>
@@ -3068,7 +3063,7 @@
           <a:lstStyle/>
           <a:p>
             <a:r>
-              <a:rPr lang="en-US" altLang="ko-KR" sz="2800" dirty="0" smtClean="0">
+              <a:rPr lang="en-US" altLang="ko-KR" sz="2800" dirty="0">
                 <a:solidFill>
                   <a:schemeClr val="bg1"/>
                 </a:solidFill>
@@ -3078,7 +3073,7 @@
               <a:t>HTML5 1</a:t>
             </a:r>
             <a:r>
-              <a:rPr lang="ko-KR" altLang="en-US" sz="2800" dirty="0" smtClean="0">
+              <a:rPr lang="ko-KR" altLang="en-US" sz="2800" dirty="0">
                 <a:solidFill>
                   <a:schemeClr val="bg1"/>
                 </a:solidFill>
@@ -3087,65 +3082,41 @@
               </a:rPr>
               <a:t>강</a:t>
             </a:r>
-            <a:r>
-              <a:rPr lang="en-US" altLang="ko-KR" sz="2800" dirty="0" smtClean="0">
+            <a:br>
+              <a:rPr lang="en-US" altLang="ko-KR" sz="2800" dirty="0">
                 <a:solidFill>
                   <a:schemeClr val="bg1"/>
                 </a:solidFill>
                 <a:latin typeface="배달의민족 주아" pitchFamily="18" charset="-127"/>
                 <a:ea typeface="배달의민족 주아" pitchFamily="18" charset="-127"/>
               </a:rPr>
-              <a:t/>
-            </a:r>
+            </a:br>
             <a:br>
-              <a:rPr lang="en-US" altLang="ko-KR" sz="2800" dirty="0" smtClean="0">
+              <a:rPr lang="en-US" altLang="ko-KR" dirty="0">
+                <a:latin typeface="배달의민족 주아" pitchFamily="18" charset="-127"/>
+                <a:ea typeface="배달의민족 주아" pitchFamily="18" charset="-127"/>
+              </a:rPr>
+            </a:br>
+            <a:r>
+              <a:rPr lang="en-US" altLang="ko-KR" dirty="0">
                 <a:solidFill>
                   <a:schemeClr val="bg1"/>
                 </a:solidFill>
                 <a:latin typeface="배달의민족 주아" pitchFamily="18" charset="-127"/>
                 <a:ea typeface="배달의민족 주아" pitchFamily="18" charset="-127"/>
               </a:rPr>
-            </a:br>
-            <a:r>
-              <a:rPr lang="en-US" altLang="ko-KR" dirty="0" smtClean="0">
-                <a:latin typeface="배달의민족 주아" pitchFamily="18" charset="-127"/>
-                <a:ea typeface="배달의민족 주아" pitchFamily="18" charset="-127"/>
-              </a:rPr>
-              <a:t/>
-            </a:r>
-            <a:br>
-              <a:rPr lang="en-US" altLang="ko-KR" dirty="0" smtClean="0">
-                <a:latin typeface="배달의민족 주아" pitchFamily="18" charset="-127"/>
-                <a:ea typeface="배달의민족 주아" pitchFamily="18" charset="-127"/>
-              </a:rPr>
-            </a:br>
-            <a:r>
-              <a:rPr lang="en-US" altLang="ko-KR" dirty="0" smtClean="0">
+              <a:t>HTML </a:t>
+            </a:r>
+            <a:r>
+              <a:rPr lang="ko-KR" altLang="en-US" dirty="0">
                 <a:solidFill>
                   <a:schemeClr val="bg1"/>
                 </a:solidFill>
                 <a:latin typeface="배달의민족 주아" pitchFamily="18" charset="-127"/>
                 <a:ea typeface="배달의민족 주아" pitchFamily="18" charset="-127"/>
               </a:rPr>
-              <a:t>HTML </a:t>
-            </a:r>
-            <a:r>
-              <a:rPr lang="ko-KR" altLang="en-US" dirty="0" smtClean="0">
-                <a:solidFill>
-                  <a:schemeClr val="bg1"/>
-                </a:solidFill>
-                <a:latin typeface="배달의민족 주아" pitchFamily="18" charset="-127"/>
-                <a:ea typeface="배달의민족 주아" pitchFamily="18" charset="-127"/>
-              </a:rPr>
               <a:t>태그와 문서구조</a:t>
             </a:r>
-            <a:endParaRPr lang="ko-KR" altLang="en-US" dirty="0">
-              <a:solidFill>
-                <a:schemeClr val="bg1"/>
-              </a:solidFill>
-              <a:latin typeface="배달의민족 주아" pitchFamily="18" charset="-127"/>
-              <a:ea typeface="배달의민족 주아" pitchFamily="18" charset="-127"/>
-            </a:endParaRPr>
           </a:p>
         </p:txBody>
       </p:sp>
@@ -3172,7 +3143,7 @@
           <a:lstStyle/>
           <a:p>
             <a:r>
-              <a:rPr lang="en-US" altLang="ko-KR" dirty="0" smtClean="0">
+              <a:rPr lang="en-US" altLang="ko-KR" dirty="0">
                 <a:solidFill>
                   <a:schemeClr val="bg1"/>
                 </a:solidFill>
@@ -3182,14 +3153,14 @@
               <a:t>S</a:t>
             </a:r>
             <a:r>
-              <a:rPr lang="en-US" altLang="ko-KR" dirty="0" smtClean="0">
+              <a:rPr lang="en-US" altLang="ko-KR" dirty="0">
                 <a:latin typeface="배달의민족 도현" pitchFamily="50" charset="-127"/>
                 <a:ea typeface="배달의민족 도현" pitchFamily="50" charset="-127"/>
               </a:rPr>
               <a:t>TART</a:t>
             </a:r>
             <a:r>
-              <a:rPr lang="en-US" altLang="ko-KR" dirty="0" smtClean="0">
+              <a:rPr lang="en-US" altLang="ko-KR" dirty="0">
                 <a:solidFill>
                   <a:schemeClr val="bg1"/>
                 </a:solidFill>
@@ -3199,7 +3170,7 @@
               <a:t>C</a:t>
             </a:r>
             <a:r>
-              <a:rPr lang="en-US" altLang="ko-KR" dirty="0" smtClean="0">
+              <a:rPr lang="en-US" altLang="ko-KR" dirty="0">
                 <a:latin typeface="배달의민족 도현" pitchFamily="50" charset="-127"/>
                 <a:ea typeface="배달의민족 도현" pitchFamily="50" charset="-127"/>
               </a:rPr>
@@ -3222,13 +3193,6 @@
   <p:clrMapOvr>
     <a:masterClrMapping/>
   </p:clrMapOvr>
-  <p:timing>
-    <p:tnLst>
-      <p:par>
-        <p:cTn id="1" dur="indefinite" restart="never" nodeType="tmRoot"/>
-      </p:par>
-    </p:tnLst>
-  </p:timing>
 </p:sld>
 </file>
 
@@ -3270,7 +3234,7 @@
           <a:lstStyle/>
           <a:p>
             <a:r>
-              <a:rPr lang="en-US" altLang="ko-KR" dirty="0" smtClean="0">
+              <a:rPr lang="en-US" altLang="ko-KR" dirty="0">
                 <a:latin typeface="배달의민족 주아" pitchFamily="18" charset="-127"/>
                 <a:ea typeface="배달의민족 주아" pitchFamily="18" charset="-127"/>
               </a:rPr>
@@ -3306,7 +3270,7 @@
           <a:lstStyle/>
           <a:p>
             <a:r>
-              <a:rPr lang="en-US" altLang="ko-KR" dirty="0" smtClean="0">
+              <a:rPr lang="en-US" altLang="ko-KR" dirty="0">
                 <a:solidFill>
                   <a:schemeClr val="accent5"/>
                 </a:solidFill>
@@ -3316,14 +3280,14 @@
               <a:t>S</a:t>
             </a:r>
             <a:r>
-              <a:rPr lang="en-US" altLang="ko-KR" dirty="0" smtClean="0">
+              <a:rPr lang="en-US" altLang="ko-KR" dirty="0">
                 <a:latin typeface="배달의민족 도현" pitchFamily="50" charset="-127"/>
                 <a:ea typeface="배달의민족 도현" pitchFamily="50" charset="-127"/>
               </a:rPr>
               <a:t>TART</a:t>
             </a:r>
             <a:r>
-              <a:rPr lang="en-US" altLang="ko-KR" dirty="0" smtClean="0">
+              <a:rPr lang="en-US" altLang="ko-KR" dirty="0">
                 <a:solidFill>
                   <a:schemeClr val="accent5"/>
                 </a:solidFill>
@@ -3333,7 +3297,7 @@
               <a:t>C</a:t>
             </a:r>
             <a:r>
-              <a:rPr lang="en-US" altLang="ko-KR" dirty="0" smtClean="0">
+              <a:rPr lang="en-US" altLang="ko-KR" dirty="0">
                 <a:latin typeface="배달의민족 도현" pitchFamily="50" charset="-127"/>
                 <a:ea typeface="배달의민족 도현" pitchFamily="50" charset="-127"/>
               </a:rPr>
@@ -3385,18 +3349,11 @@
           </a:lstStyle>
           <a:p>
             <a:r>
-              <a:rPr lang="en-US" altLang="ko-KR" dirty="0" smtClean="0">
-                <a:latin typeface="배달의민족 주아" pitchFamily="18" charset="-127"/>
-                <a:ea typeface="배달의민족 주아" pitchFamily="18" charset="-127"/>
-              </a:rPr>
-              <a:t>(</a:t>
-            </a:r>
-            <a:r>
-              <a:rPr lang="en-US" altLang="ko-KR" dirty="0">
-                <a:latin typeface="배달의민족 주아" pitchFamily="18" charset="-127"/>
-                <a:ea typeface="배달의민족 주아" pitchFamily="18" charset="-127"/>
-              </a:rPr>
-              <a:t>Hyper Text Markup Language)</a:t>
+              <a:rPr lang="en-US" altLang="ko-KR" dirty="0">
+                <a:latin typeface="배달의민족 주아" pitchFamily="18" charset="-127"/>
+                <a:ea typeface="배달의민족 주아" pitchFamily="18" charset="-127"/>
+              </a:rPr>
+              <a:t>(Hyper Text Markup Language)</a:t>
             </a:r>
             <a:endParaRPr lang="ko-KR" altLang="en-US" dirty="0">
               <a:latin typeface="배달의민족 주아" pitchFamily="18" charset="-127"/>
@@ -3444,14 +3401,14 @@
           </a:lstStyle>
           <a:p>
             <a:r>
-              <a:rPr lang="ko-KR" altLang="en-US" dirty="0" smtClean="0">
+              <a:rPr lang="ko-KR" altLang="en-US" dirty="0">
                 <a:latin typeface="배달의민족 주아" pitchFamily="18" charset="-127"/>
                 <a:ea typeface="배달의민족 주아" pitchFamily="18" charset="-127"/>
               </a:rPr>
               <a:t>태그</a:t>
             </a:r>
             <a:r>
-              <a:rPr lang="en-US" altLang="ko-KR" dirty="0" smtClean="0">
+              <a:rPr lang="en-US" altLang="ko-KR" dirty="0">
                 <a:latin typeface="배달의민족 주아" pitchFamily="18" charset="-127"/>
                 <a:ea typeface="배달의민족 주아" pitchFamily="18" charset="-127"/>
               </a:rPr>
@@ -3744,18 +3701,11 @@
           <a:lstStyle/>
           <a:p>
             <a:r>
-              <a:rPr lang="ko-KR" altLang="en-US" dirty="0" smtClean="0">
-                <a:latin typeface="배달의민족 주아" pitchFamily="18" charset="-127"/>
-                <a:ea typeface="배달의민족 주아" pitchFamily="18" charset="-127"/>
-              </a:rPr>
-              <a:t>태그구</a:t>
-            </a:r>
-            <a:r>
               <a:rPr lang="ko-KR" altLang="en-US" dirty="0">
                 <a:latin typeface="배달의민족 주아" pitchFamily="18" charset="-127"/>
                 <a:ea typeface="배달의민족 주아" pitchFamily="18" charset="-127"/>
               </a:rPr>
-              <a:t>조</a:t>
+              <a:t>태그구조</a:t>
             </a:r>
           </a:p>
         </p:txBody>
@@ -3783,7 +3733,7 @@
           <a:lstStyle/>
           <a:p>
             <a:r>
-              <a:rPr lang="en-US" altLang="ko-KR" dirty="0" smtClean="0">
+              <a:rPr lang="en-US" altLang="ko-KR" dirty="0">
                 <a:solidFill>
                   <a:schemeClr val="accent5"/>
                 </a:solidFill>
@@ -3793,14 +3743,14 @@
               <a:t>S</a:t>
             </a:r>
             <a:r>
-              <a:rPr lang="en-US" altLang="ko-KR" dirty="0" smtClean="0">
+              <a:rPr lang="en-US" altLang="ko-KR" dirty="0">
                 <a:latin typeface="배달의민족 도현" pitchFamily="50" charset="-127"/>
                 <a:ea typeface="배달의민족 도현" pitchFamily="50" charset="-127"/>
               </a:rPr>
               <a:t>TART</a:t>
             </a:r>
             <a:r>
-              <a:rPr lang="en-US" altLang="ko-KR" dirty="0" smtClean="0">
+              <a:rPr lang="en-US" altLang="ko-KR" dirty="0">
                 <a:solidFill>
                   <a:schemeClr val="accent5"/>
                 </a:solidFill>
@@ -3810,7 +3760,7 @@
               <a:t>C</a:t>
             </a:r>
             <a:r>
-              <a:rPr lang="en-US" altLang="ko-KR" dirty="0" smtClean="0">
+              <a:rPr lang="en-US" altLang="ko-KR" dirty="0">
                 <a:latin typeface="배달의민족 도현" pitchFamily="50" charset="-127"/>
                 <a:ea typeface="배달의민족 도현" pitchFamily="50" charset="-127"/>
               </a:rPr>
@@ -3833,13 +3783,6 @@
   <p:clrMapOvr>
     <a:masterClrMapping/>
   </p:clrMapOvr>
-  <p:timing>
-    <p:tnLst>
-      <p:par>
-        <p:cTn id="1" dur="indefinite" restart="never" nodeType="tmRoot"/>
-      </p:par>
-    </p:tnLst>
-  </p:timing>
 </p:sld>
 </file>
 
@@ -3876,49 +3819,55 @@
           <a:lstStyle/>
           <a:p>
             <a:r>
-              <a:rPr lang="en-US" altLang="ko-KR" dirty="0" smtClean="0">
+              <a:rPr lang="en-US" altLang="ko-KR" dirty="0">
                 <a:latin typeface="배달의민족 주아" pitchFamily="18" charset="-127"/>
                 <a:ea typeface="배달의민족 주아" pitchFamily="18" charset="-127"/>
               </a:rPr>
               <a:t>&lt;</a:t>
             </a:r>
             <a:r>
-              <a:rPr lang="ko-KR" altLang="en-US" dirty="0" smtClean="0">
+              <a:rPr lang="ko-KR" altLang="en-US" dirty="0">
+                <a:solidFill>
+                  <a:schemeClr val="accent6"/>
+                </a:solidFill>
                 <a:latin typeface="배달의민족 주아" pitchFamily="18" charset="-127"/>
                 <a:ea typeface="배달의민족 주아" pitchFamily="18" charset="-127"/>
               </a:rPr>
               <a:t>태그이름</a:t>
             </a:r>
             <a:r>
-              <a:rPr lang="en-US" altLang="ko-KR" dirty="0" smtClean="0">
+              <a:rPr lang="en-US" altLang="ko-KR" dirty="0">
                 <a:latin typeface="배달의민족 주아" pitchFamily="18" charset="-127"/>
                 <a:ea typeface="배달의민족 주아" pitchFamily="18" charset="-127"/>
               </a:rPr>
               <a:t>&gt; </a:t>
             </a:r>
             <a:r>
-              <a:rPr lang="ko-KR" altLang="en-US" dirty="0" smtClean="0">
+              <a:rPr lang="ko-KR" altLang="en-US" dirty="0">
                 <a:latin typeface="배달의민족 주아" pitchFamily="18" charset="-127"/>
                 <a:ea typeface="배달의민족 주아" pitchFamily="18" charset="-127"/>
               </a:rPr>
               <a:t>내용 </a:t>
             </a:r>
             <a:r>
-              <a:rPr lang="en-US" altLang="ko-KR" dirty="0" smtClean="0">
+              <a:rPr lang="en-US" altLang="ko-KR" dirty="0">
                 <a:latin typeface="배달의민족 주아" pitchFamily="18" charset="-127"/>
                 <a:ea typeface="배달의민족 주아" pitchFamily="18" charset="-127"/>
               </a:rPr>
               <a:t>&lt;/</a:t>
             </a:r>
             <a:r>
-              <a:rPr lang="ko-KR" altLang="en-US" dirty="0" smtClean="0">
+              <a:rPr lang="ko-KR" altLang="en-US" dirty="0">
+                <a:solidFill>
+                  <a:schemeClr val="accent6"/>
+                </a:solidFill>
                 <a:latin typeface="배달의민족 주아" pitchFamily="18" charset="-127"/>
                 <a:ea typeface="배달의민족 주아" pitchFamily="18" charset="-127"/>
               </a:rPr>
               <a:t>태그이름</a:t>
             </a:r>
             <a:r>
-              <a:rPr lang="en-US" altLang="ko-KR" dirty="0" smtClean="0">
+              <a:rPr lang="en-US" altLang="ko-KR" dirty="0">
                 <a:latin typeface="배달의민족 주아" pitchFamily="18" charset="-127"/>
                 <a:ea typeface="배달의민족 주아" pitchFamily="18" charset="-127"/>
               </a:rPr>
@@ -3970,21 +3919,21 @@
           </a:lstStyle>
           <a:p>
             <a:r>
-              <a:rPr lang="en-US" altLang="ko-KR" dirty="0" smtClean="0">
+              <a:rPr lang="en-US" altLang="ko-KR" dirty="0">
                 <a:latin typeface="배달의민족 주아" pitchFamily="18" charset="-127"/>
                 <a:ea typeface="배달의민족 주아" pitchFamily="18" charset="-127"/>
               </a:rPr>
               <a:t>&lt;h1&gt;</a:t>
             </a:r>
             <a:r>
-              <a:rPr lang="ko-KR" altLang="en-US" dirty="0" err="1" smtClean="0">
+              <a:rPr lang="ko-KR" altLang="en-US" dirty="0" err="1">
                 <a:latin typeface="배달의민족 주아" pitchFamily="18" charset="-127"/>
                 <a:ea typeface="배달의민족 주아" pitchFamily="18" charset="-127"/>
               </a:rPr>
               <a:t>스타트코딩</a:t>
             </a:r>
             <a:r>
-              <a:rPr lang="en-US" altLang="ko-KR" dirty="0" smtClean="0">
+              <a:rPr lang="en-US" altLang="ko-KR" dirty="0">
                 <a:latin typeface="배달의민족 주아" pitchFamily="18" charset="-127"/>
                 <a:ea typeface="배달의민족 주아" pitchFamily="18" charset="-127"/>
               </a:rPr>
@@ -4020,7 +3969,7 @@
           <a:lstStyle/>
           <a:p>
             <a:r>
-              <a:rPr lang="en-US" altLang="ko-KR" dirty="0" smtClean="0">
+              <a:rPr lang="en-US" altLang="ko-KR" dirty="0">
                 <a:solidFill>
                   <a:schemeClr val="accent5"/>
                 </a:solidFill>
@@ -4030,14 +3979,14 @@
               <a:t>S</a:t>
             </a:r>
             <a:r>
-              <a:rPr lang="en-US" altLang="ko-KR" dirty="0" smtClean="0">
+              <a:rPr lang="en-US" altLang="ko-KR" dirty="0">
                 <a:latin typeface="배달의민족 도현" pitchFamily="50" charset="-127"/>
                 <a:ea typeface="배달의민족 도현" pitchFamily="50" charset="-127"/>
               </a:rPr>
               <a:t>TART</a:t>
             </a:r>
             <a:r>
-              <a:rPr lang="en-US" altLang="ko-KR" dirty="0" smtClean="0">
+              <a:rPr lang="en-US" altLang="ko-KR" dirty="0">
                 <a:solidFill>
                   <a:schemeClr val="accent5"/>
                 </a:solidFill>
@@ -4047,7 +3996,7 @@
               <a:t>C</a:t>
             </a:r>
             <a:r>
-              <a:rPr lang="en-US" altLang="ko-KR" dirty="0" smtClean="0">
+              <a:rPr lang="en-US" altLang="ko-KR" dirty="0">
                 <a:latin typeface="배달의민족 도현" pitchFamily="50" charset="-127"/>
                 <a:ea typeface="배달의민족 도현" pitchFamily="50" charset="-127"/>
               </a:rPr>
@@ -4192,21 +4141,21 @@
           <a:lstStyle/>
           <a:p>
             <a:r>
-              <a:rPr lang="en-US" altLang="ko-KR" dirty="0" smtClean="0">
+              <a:rPr lang="en-US" altLang="ko-KR" dirty="0">
                 <a:latin typeface="배달의민족 주아" pitchFamily="18" charset="-127"/>
                 <a:ea typeface="배달의민족 주아" pitchFamily="18" charset="-127"/>
               </a:rPr>
               <a:t>&lt;</a:t>
             </a:r>
             <a:r>
-              <a:rPr lang="ko-KR" altLang="en-US" dirty="0" smtClean="0">
+              <a:rPr lang="ko-KR" altLang="en-US" dirty="0">
                 <a:latin typeface="배달의민족 주아" pitchFamily="18" charset="-127"/>
                 <a:ea typeface="배달의민족 주아" pitchFamily="18" charset="-127"/>
               </a:rPr>
               <a:t>태그이름 </a:t>
             </a:r>
             <a:r>
-              <a:rPr lang="ko-KR" altLang="en-US" dirty="0" smtClean="0">
+              <a:rPr lang="ko-KR" altLang="en-US" dirty="0">
                 <a:solidFill>
                   <a:schemeClr val="accent5"/>
                 </a:solidFill>
@@ -4216,14 +4165,14 @@
               <a:t>속성</a:t>
             </a:r>
             <a:r>
-              <a:rPr lang="en-US" altLang="ko-KR" dirty="0" smtClean="0">
+              <a:rPr lang="en-US" altLang="ko-KR" dirty="0">
                 <a:latin typeface="배달의민족 주아" pitchFamily="18" charset="-127"/>
                 <a:ea typeface="배달의민족 주아" pitchFamily="18" charset="-127"/>
               </a:rPr>
               <a:t>=“”</a:t>
             </a:r>
             <a:r>
-              <a:rPr lang="ko-KR" altLang="en-US" dirty="0" smtClean="0">
+              <a:rPr lang="ko-KR" altLang="en-US" dirty="0">
                 <a:solidFill>
                   <a:schemeClr val="accent5"/>
                 </a:solidFill>
@@ -4233,41 +4182,41 @@
               <a:t>속성값</a:t>
             </a:r>
             <a:r>
-              <a:rPr lang="en-US" altLang="ko-KR" dirty="0" smtClean="0">
+              <a:rPr lang="en-US" altLang="ko-KR" dirty="0">
                 <a:latin typeface="배달의민족 주아" pitchFamily="18" charset="-127"/>
                 <a:ea typeface="배달의민족 주아" pitchFamily="18" charset="-127"/>
               </a:rPr>
               <a:t>””&gt; </a:t>
             </a:r>
             <a:br>
-              <a:rPr lang="en-US" altLang="ko-KR" dirty="0" smtClean="0">
+              <a:rPr lang="en-US" altLang="ko-KR" dirty="0">
                 <a:latin typeface="배달의민족 주아" pitchFamily="18" charset="-127"/>
                 <a:ea typeface="배달의민족 주아" pitchFamily="18" charset="-127"/>
               </a:rPr>
             </a:br>
             <a:r>
-              <a:rPr lang="ko-KR" altLang="en-US" dirty="0" smtClean="0">
+              <a:rPr lang="ko-KR" altLang="en-US" dirty="0">
                 <a:latin typeface="배달의민족 주아" pitchFamily="18" charset="-127"/>
                 <a:ea typeface="배달의민족 주아" pitchFamily="18" charset="-127"/>
               </a:rPr>
               <a:t>내용 </a:t>
             </a:r>
             <a:r>
-              <a:rPr lang="en-US" altLang="ko-KR" dirty="0" smtClean="0">
+              <a:rPr lang="en-US" altLang="ko-KR" dirty="0">
                 <a:latin typeface="배달의민족 주아" pitchFamily="18" charset="-127"/>
                 <a:ea typeface="배달의민족 주아" pitchFamily="18" charset="-127"/>
               </a:rPr>
               <a:t>&lt;/</a:t>
             </a:r>
             <a:r>
-              <a:rPr lang="ko-KR" altLang="en-US" dirty="0" smtClean="0">
+              <a:rPr lang="ko-KR" altLang="en-US" dirty="0">
                 <a:latin typeface="배달의민족 주아" pitchFamily="18" charset="-127"/>
                 <a:ea typeface="배달의민족 주아" pitchFamily="18" charset="-127"/>
               </a:rPr>
               <a:t>태그이름</a:t>
             </a:r>
             <a:r>
-              <a:rPr lang="en-US" altLang="ko-KR" dirty="0" smtClean="0">
+              <a:rPr lang="en-US" altLang="ko-KR" dirty="0">
                 <a:latin typeface="배달의민족 주아" pitchFamily="18" charset="-127"/>
                 <a:ea typeface="배달의민족 주아" pitchFamily="18" charset="-127"/>
               </a:rPr>
@@ -4319,62 +4268,62 @@
           </a:lstStyle>
           <a:p>
             <a:r>
-              <a:rPr lang="en-US" altLang="ko-KR" dirty="0" smtClean="0">
+              <a:rPr lang="en-US" altLang="ko-KR" dirty="0">
                 <a:latin typeface="배달의민족 주아" pitchFamily="18" charset="-127"/>
                 <a:ea typeface="배달의민족 주아" pitchFamily="18" charset="-127"/>
               </a:rPr>
               <a:t>&lt;a</a:t>
             </a:r>
             <a:r>
-              <a:rPr lang="ko-KR" altLang="en-US" dirty="0" smtClean="0">
+              <a:rPr lang="ko-KR" altLang="en-US" dirty="0">
                 <a:latin typeface="배달의민족 주아" pitchFamily="18" charset="-127"/>
                 <a:ea typeface="배달의민족 주아" pitchFamily="18" charset="-127"/>
               </a:rPr>
               <a:t> </a:t>
             </a:r>
             <a:r>
-              <a:rPr lang="en-US" altLang="ko-KR" dirty="0" err="1" smtClean="0">
+              <a:rPr lang="en-US" altLang="ko-KR" dirty="0" err="1">
                 <a:latin typeface="배달의민족 주아" pitchFamily="18" charset="-127"/>
                 <a:ea typeface="배달의민족 주아" pitchFamily="18" charset="-127"/>
               </a:rPr>
               <a:t>href</a:t>
             </a:r>
             <a:r>
-              <a:rPr lang="en-US" altLang="ko-KR" smtClean="0">
+              <a:rPr lang="en-US" altLang="ko-KR">
                 <a:latin typeface="배달의민족 주아" pitchFamily="18" charset="-127"/>
                 <a:ea typeface="배달의민족 주아" pitchFamily="18" charset="-127"/>
               </a:rPr>
               <a:t>=“”https://www.naver.com</a:t>
             </a:r>
             <a:r>
-              <a:rPr lang="en-US" altLang="ko-KR" dirty="0" smtClean="0">
+              <a:rPr lang="en-US" altLang="ko-KR" dirty="0">
                 <a:latin typeface="배달의민족 주아" pitchFamily="18" charset="-127"/>
                 <a:ea typeface="배달의민족 주아" pitchFamily="18" charset="-127"/>
               </a:rPr>
               <a:t>””&gt; </a:t>
             </a:r>
             <a:br>
-              <a:rPr lang="en-US" altLang="ko-KR" dirty="0" smtClean="0">
+              <a:rPr lang="en-US" altLang="ko-KR" dirty="0">
                 <a:latin typeface="배달의민족 주아" pitchFamily="18" charset="-127"/>
                 <a:ea typeface="배달의민족 주아" pitchFamily="18" charset="-127"/>
               </a:rPr>
             </a:br>
             <a:r>
-              <a:rPr lang="ko-KR" altLang="en-US" dirty="0" err="1" smtClean="0">
+              <a:rPr lang="ko-KR" altLang="en-US" dirty="0" err="1">
                 <a:latin typeface="배달의민족 주아" pitchFamily="18" charset="-127"/>
                 <a:ea typeface="배달의민족 주아" pitchFamily="18" charset="-127"/>
               </a:rPr>
               <a:t>네이버로이동</a:t>
             </a:r>
             <a:r>
-              <a:rPr lang="ko-KR" altLang="en-US" dirty="0" smtClean="0">
+              <a:rPr lang="ko-KR" altLang="en-US" dirty="0">
                 <a:latin typeface="배달의민족 주아" pitchFamily="18" charset="-127"/>
                 <a:ea typeface="배달의민족 주아" pitchFamily="18" charset="-127"/>
               </a:rPr>
               <a:t> </a:t>
             </a:r>
             <a:r>
-              <a:rPr lang="en-US" altLang="ko-KR" dirty="0" smtClean="0">
+              <a:rPr lang="en-US" altLang="ko-KR" dirty="0">
                 <a:latin typeface="배달의민족 주아" pitchFamily="18" charset="-127"/>
                 <a:ea typeface="배달의민족 주아" pitchFamily="18" charset="-127"/>
               </a:rPr>
@@ -4410,7 +4359,7 @@
           <a:lstStyle/>
           <a:p>
             <a:r>
-              <a:rPr lang="en-US" altLang="ko-KR" dirty="0" smtClean="0">
+              <a:rPr lang="en-US" altLang="ko-KR" dirty="0">
                 <a:solidFill>
                   <a:schemeClr val="accent5"/>
                 </a:solidFill>
@@ -4420,14 +4369,14 @@
               <a:t>S</a:t>
             </a:r>
             <a:r>
-              <a:rPr lang="en-US" altLang="ko-KR" dirty="0" smtClean="0">
+              <a:rPr lang="en-US" altLang="ko-KR" dirty="0">
                 <a:latin typeface="배달의민족 도현" pitchFamily="50" charset="-127"/>
                 <a:ea typeface="배달의민족 도현" pitchFamily="50" charset="-127"/>
               </a:rPr>
               <a:t>TART</a:t>
             </a:r>
             <a:r>
-              <a:rPr lang="en-US" altLang="ko-KR" dirty="0" smtClean="0">
+              <a:rPr lang="en-US" altLang="ko-KR" dirty="0">
                 <a:solidFill>
                   <a:schemeClr val="accent5"/>
                 </a:solidFill>
@@ -4437,7 +4386,7 @@
               <a:t>C</a:t>
             </a:r>
             <a:r>
-              <a:rPr lang="en-US" altLang="ko-KR" dirty="0" smtClean="0">
+              <a:rPr lang="en-US" altLang="ko-KR" dirty="0">
                 <a:latin typeface="배달의민족 도현" pitchFamily="50" charset="-127"/>
                 <a:ea typeface="배달의민족 도현" pitchFamily="50" charset="-127"/>
               </a:rPr>
@@ -4582,25 +4531,18 @@
           <a:lstStyle/>
           <a:p>
             <a:r>
-              <a:rPr lang="en-US" altLang="ko-KR" dirty="0" smtClean="0">
+              <a:rPr lang="en-US" altLang="ko-KR" dirty="0">
                 <a:latin typeface="배달의민족 주아" pitchFamily="18" charset="-127"/>
                 <a:ea typeface="배달의민족 주아" pitchFamily="18" charset="-127"/>
               </a:rPr>
               <a:t>Html </a:t>
             </a:r>
             <a:r>
-              <a:rPr lang="ko-KR" altLang="en-US" dirty="0" smtClean="0">
-                <a:latin typeface="배달의민족 주아" pitchFamily="18" charset="-127"/>
-                <a:ea typeface="배달의민족 주아" pitchFamily="18" charset="-127"/>
-              </a:rPr>
-              <a:t>문서의 구</a:t>
-            </a:r>
-            <a:r>
               <a:rPr lang="ko-KR" altLang="en-US" dirty="0">
                 <a:latin typeface="배달의민족 주아" pitchFamily="18" charset="-127"/>
                 <a:ea typeface="배달의민족 주아" pitchFamily="18" charset="-127"/>
               </a:rPr>
-              <a:t>조</a:t>
+              <a:t>문서의 구조</a:t>
             </a:r>
           </a:p>
         </p:txBody>
@@ -4628,7 +4570,7 @@
           <a:lstStyle/>
           <a:p>
             <a:r>
-              <a:rPr lang="en-US" altLang="ko-KR" dirty="0" smtClean="0">
+              <a:rPr lang="en-US" altLang="ko-KR" dirty="0">
                 <a:solidFill>
                   <a:schemeClr val="accent5"/>
                 </a:solidFill>
@@ -4638,14 +4580,14 @@
               <a:t>S</a:t>
             </a:r>
             <a:r>
-              <a:rPr lang="en-US" altLang="ko-KR" dirty="0" smtClean="0">
+              <a:rPr lang="en-US" altLang="ko-KR" dirty="0">
                 <a:latin typeface="배달의민족 도현" pitchFamily="50" charset="-127"/>
                 <a:ea typeface="배달의민족 도현" pitchFamily="50" charset="-127"/>
               </a:rPr>
               <a:t>TART</a:t>
             </a:r>
             <a:r>
-              <a:rPr lang="en-US" altLang="ko-KR" dirty="0" smtClean="0">
+              <a:rPr lang="en-US" altLang="ko-KR" dirty="0">
                 <a:solidFill>
                   <a:schemeClr val="accent5"/>
                 </a:solidFill>
@@ -4655,7 +4597,7 @@
               <a:t>C</a:t>
             </a:r>
             <a:r>
-              <a:rPr lang="en-US" altLang="ko-KR" dirty="0" smtClean="0">
+              <a:rPr lang="en-US" altLang="ko-KR" dirty="0">
                 <a:latin typeface="배달의민족 도현" pitchFamily="50" charset="-127"/>
                 <a:ea typeface="배달의민족 도현" pitchFamily="50" charset="-127"/>
               </a:rPr>
@@ -4678,13 +4620,6 @@
   <p:clrMapOvr>
     <a:masterClrMapping/>
   </p:clrMapOvr>
-  <p:timing>
-    <p:tnLst>
-      <p:par>
-        <p:cTn id="1" dur="indefinite" restart="never" nodeType="tmRoot"/>
-      </p:par>
-    </p:tnLst>
-  </p:timing>
 </p:sld>
 </file>
 
@@ -4729,14 +4664,14 @@
           <a:p>
             <a:pPr algn="l"/>
             <a:r>
-              <a:rPr lang="en-US" altLang="ko-KR" dirty="0" smtClean="0">
+              <a:rPr lang="en-US" altLang="ko-KR" dirty="0">
                 <a:latin typeface="배달의민족 주아" pitchFamily="18" charset="-127"/>
                 <a:ea typeface="배달의민족 주아" pitchFamily="18" charset="-127"/>
               </a:rPr>
               <a:t>&lt;html&gt;</a:t>
             </a:r>
             <a:br>
-              <a:rPr lang="en-US" altLang="ko-KR" dirty="0" smtClean="0">
+              <a:rPr lang="en-US" altLang="ko-KR" dirty="0">
                 <a:latin typeface="배달의민족 주아" pitchFamily="18" charset="-127"/>
                 <a:ea typeface="배달의민족 주아" pitchFamily="18" charset="-127"/>
               </a:rPr>
@@ -4746,62 +4681,55 @@
                 <a:latin typeface="배달의민족 주아" pitchFamily="18" charset="-127"/>
                 <a:ea typeface="배달의민족 주아" pitchFamily="18" charset="-127"/>
               </a:rPr>
-              <a:t>	</a:t>
-            </a:r>
-            <a:r>
-              <a:rPr lang="en-US" altLang="ko-KR" dirty="0" smtClean="0">
-                <a:latin typeface="배달의민족 주아" pitchFamily="18" charset="-127"/>
-                <a:ea typeface="배달의민족 주아" pitchFamily="18" charset="-127"/>
-              </a:rPr>
-              <a:t>&lt;head&gt;</a:t>
+              <a:t>	&lt;head&gt;</a:t>
             </a:r>
             <a:br>
-              <a:rPr lang="en-US" altLang="ko-KR" dirty="0" smtClean="0">
+              <a:rPr lang="en-US" altLang="ko-KR" dirty="0">
                 <a:latin typeface="배달의민족 주아" pitchFamily="18" charset="-127"/>
                 <a:ea typeface="배달의민족 주아" pitchFamily="18" charset="-127"/>
               </a:rPr>
             </a:br>
             <a:r>
-              <a:rPr lang="en-US" altLang="ko-KR" dirty="0" smtClean="0">
+              <a:rPr lang="en-US" altLang="ko-KR" dirty="0">
                 <a:latin typeface="배달의민족 주아" pitchFamily="18" charset="-127"/>
                 <a:ea typeface="배달의민족 주아" pitchFamily="18" charset="-127"/>
               </a:rPr>
               <a:t>	&lt;/head&gt;</a:t>
             </a:r>
             <a:br>
-              <a:rPr lang="en-US" altLang="ko-KR" dirty="0" smtClean="0">
+              <a:rPr lang="en-US" altLang="ko-KR" dirty="0">
                 <a:latin typeface="배달의민족 주아" pitchFamily="18" charset="-127"/>
                 <a:ea typeface="배달의민족 주아" pitchFamily="18" charset="-127"/>
               </a:rPr>
             </a:br>
             <a:r>
-              <a:rPr lang="en-US" altLang="ko-KR" dirty="0" smtClean="0">
+              <a:rPr lang="en-US" altLang="ko-KR" dirty="0">
                 <a:latin typeface="배달의민족 주아" pitchFamily="18" charset="-127"/>
                 <a:ea typeface="배달의민족 주아" pitchFamily="18" charset="-127"/>
               </a:rPr>
               <a:t>	&lt;body&gt;</a:t>
             </a:r>
             <a:br>
-              <a:rPr lang="en-US" altLang="ko-KR" dirty="0" smtClean="0">
+              <a:rPr lang="en-US" altLang="ko-KR" dirty="0">
                 <a:latin typeface="배달의민족 주아" pitchFamily="18" charset="-127"/>
                 <a:ea typeface="배달의민족 주아" pitchFamily="18" charset="-127"/>
               </a:rPr>
             </a:br>
             <a:r>
-              <a:rPr lang="en-US" altLang="ko-KR" dirty="0" smtClean="0">
+              <a:rPr lang="en-US" altLang="ko-KR" dirty="0">
                 <a:latin typeface="배달의민족 주아" pitchFamily="18" charset="-127"/>
                 <a:ea typeface="배달의민족 주아" pitchFamily="18" charset="-127"/>
               </a:rPr>
               <a:t>	&lt;/body&gt;</a:t>
             </a:r>
             <a:br>
-              <a:rPr lang="en-US" altLang="ko-KR" dirty="0" smtClean="0">
+              <a:rPr lang="en-US" altLang="ko-KR" dirty="0">
                 <a:latin typeface="배달의민족 주아" pitchFamily="18" charset="-127"/>
                 <a:ea typeface="배달의민족 주아" pitchFamily="18" charset="-127"/>
               </a:rPr>
             </a:br>
             <a:r>
-              <a:rPr lang="en-US" altLang="ko-KR" dirty="0" smtClean="0">
+              <a:rPr lang="en-US" altLang="ko-KR" dirty="0">
                 <a:latin typeface="배달의민족 주아" pitchFamily="18" charset="-127"/>
                 <a:ea typeface="배달의민족 주아" pitchFamily="18" charset="-127"/>
               </a:rPr>
@@ -4853,7 +4781,7 @@
           </a:lstStyle>
           <a:p>
             <a:r>
-              <a:rPr lang="en-US" altLang="ko-KR" sz="4000" dirty="0" smtClean="0">
+              <a:rPr lang="en-US" altLang="ko-KR" sz="4000" dirty="0">
                 <a:latin typeface="배달의민족 주아" pitchFamily="18" charset="-127"/>
                 <a:ea typeface="배달의민족 주아" pitchFamily="18" charset="-127"/>
               </a:rPr>
@@ -4889,7 +4817,7 @@
           <a:lstStyle/>
           <a:p>
             <a:r>
-              <a:rPr lang="en-US" altLang="ko-KR" dirty="0" smtClean="0">
+              <a:rPr lang="en-US" altLang="ko-KR" dirty="0">
                 <a:solidFill>
                   <a:schemeClr val="accent5"/>
                 </a:solidFill>
@@ -4899,14 +4827,14 @@
               <a:t>S</a:t>
             </a:r>
             <a:r>
-              <a:rPr lang="en-US" altLang="ko-KR" dirty="0" smtClean="0">
+              <a:rPr lang="en-US" altLang="ko-KR" dirty="0">
                 <a:latin typeface="배달의민족 도현" pitchFamily="50" charset="-127"/>
                 <a:ea typeface="배달의민족 도현" pitchFamily="50" charset="-127"/>
               </a:rPr>
               <a:t>TART</a:t>
             </a:r>
             <a:r>
-              <a:rPr lang="en-US" altLang="ko-KR" dirty="0" smtClean="0">
+              <a:rPr lang="en-US" altLang="ko-KR" dirty="0">
                 <a:solidFill>
                   <a:schemeClr val="accent5"/>
                 </a:solidFill>
@@ -4916,7 +4844,7 @@
               <a:t>C</a:t>
             </a:r>
             <a:r>
-              <a:rPr lang="en-US" altLang="ko-KR" dirty="0" smtClean="0">
+              <a:rPr lang="en-US" altLang="ko-KR" dirty="0">
                 <a:latin typeface="배달의민족 도현" pitchFamily="50" charset="-127"/>
                 <a:ea typeface="배달의민족 도현" pitchFamily="50" charset="-127"/>
               </a:rPr>
@@ -5084,16 +5012,12 @@
           </a:lstStyle>
           <a:p>
             <a:r>
-              <a:rPr lang="ko-KR" altLang="en-US" dirty="0" smtClean="0">
+              <a:rPr lang="ko-KR" altLang="en-US" dirty="0">
                 <a:latin typeface="배달의민족 주아" pitchFamily="18" charset="-127"/>
                 <a:ea typeface="배달의민족 주아" pitchFamily="18" charset="-127"/>
               </a:rPr>
               <a:t>감사합니다</a:t>
             </a:r>
-            <a:endParaRPr lang="ko-KR" altLang="en-US" dirty="0">
-              <a:latin typeface="배달의민족 주아" pitchFamily="18" charset="-127"/>
-              <a:ea typeface="배달의민족 주아" pitchFamily="18" charset="-127"/>
-            </a:endParaRPr>
           </a:p>
         </p:txBody>
       </p:sp>
@@ -5120,7 +5044,7 @@
           <a:lstStyle/>
           <a:p>
             <a:r>
-              <a:rPr lang="en-US" altLang="ko-KR" dirty="0" smtClean="0">
+              <a:rPr lang="en-US" altLang="ko-KR" dirty="0">
                 <a:solidFill>
                   <a:schemeClr val="accent5"/>
                 </a:solidFill>
@@ -5130,14 +5054,14 @@
               <a:t>S</a:t>
             </a:r>
             <a:r>
-              <a:rPr lang="en-US" altLang="ko-KR" dirty="0" smtClean="0">
+              <a:rPr lang="en-US" altLang="ko-KR" dirty="0">
                 <a:latin typeface="배달의민족 도현" pitchFamily="50" charset="-127"/>
                 <a:ea typeface="배달의민족 도현" pitchFamily="50" charset="-127"/>
               </a:rPr>
               <a:t>TART</a:t>
             </a:r>
             <a:r>
-              <a:rPr lang="en-US" altLang="ko-KR" dirty="0" smtClean="0">
+              <a:rPr lang="en-US" altLang="ko-KR" dirty="0">
                 <a:solidFill>
                   <a:schemeClr val="accent5"/>
                 </a:solidFill>
@@ -5147,7 +5071,7 @@
               <a:t>C</a:t>
             </a:r>
             <a:r>
-              <a:rPr lang="en-US" altLang="ko-KR" dirty="0" smtClean="0">
+              <a:rPr lang="en-US" altLang="ko-KR" dirty="0">
                 <a:latin typeface="배달의민족 도현" pitchFamily="50" charset="-127"/>
                 <a:ea typeface="배달의민족 도현" pitchFamily="50" charset="-127"/>
               </a:rPr>
@@ -5170,13 +5094,6 @@
   <p:clrMapOvr>
     <a:masterClrMapping/>
   </p:clrMapOvr>
-  <p:timing>
-    <p:tnLst>
-      <p:par>
-        <p:cTn id="1" dur="indefinite" restart="never" nodeType="tmRoot"/>
-      </p:par>
-    </p:tnLst>
-  </p:timing>
 </p:sld>
 </file>
 
